--- a/pictures/pictures.pptx
+++ b/pictures/pictures.pptx
@@ -5,7 +5,7 @@
     <p:sldMasterId id="2147483648" r:id="rId1"/>
   </p:sldMasterIdLst>
   <p:notesMasterIdLst>
-    <p:notesMasterId r:id="rId11"/>
+    <p:notesMasterId r:id="rId10"/>
   </p:notesMasterIdLst>
   <p:sldIdLst>
     <p:sldId id="256" r:id="rId2"/>
@@ -15,8 +15,7 @@
     <p:sldId id="259" r:id="rId6"/>
     <p:sldId id="260" r:id="rId7"/>
     <p:sldId id="262" r:id="rId8"/>
-    <p:sldId id="264" r:id="rId9"/>
-    <p:sldId id="265" r:id="rId10"/>
+    <p:sldId id="265" r:id="rId9"/>
   </p:sldIdLst>
   <p:sldSz cx="12192000" cy="6858000"/>
   <p:notesSz cx="6858000" cy="9144000"/>
@@ -288,90 +287,6 @@
     </inkml:brush>
   </inkml:definitions>
   <inkml:trace contextRef="#ctx0" brushRef="#br0">9657 0 24575,'-4'9'0,"0"0"0,4 3 0,0 2 0,0 13 0,0-7 0,0 7 0,0 6 0,0-15 0,3 26 0,-2-31 0,7 31 0,-7-31 0,3 19 0,-4-22 0,0 15 0,0-14 0,0 18 0,0-19 0,0 15 0,4-14 0,-3 13 0,3-13 0,-4 21 0,0-19 0,4 15 0,-3-18 0,3 10 0,0-13 0,-3 9 0,3-11 0,-1 4 0,-2-1 0,3 5 0,-4-3 0,0 6 0,0-6 0,0 3 0,0-4 0,0-1 0,0 1 0,0 0 0,0 0 0,0 4 0,0-4 0,0 16 0,0-13 0,0 12 0,0-14 0,0 14 0,0-12 0,0 16 0,0-17 0,0 13 0,0-13 0,0 17 0,0-16 0,0 20 0,0-20 0,0 24 0,0-23 0,0 23 0,0-24 0,0 16 0,0-17 0,0 17 0,0-16 0,0 20 0,0-20 0,0 20 0,0-16 0,0 21 0,0-20 0,-4 19 0,3-24 0,-3 16 0,4-17 0,0 13 0,0-13 0,-4 9 0,3-10 0,-2 11 0,-1-11 0,3 11 0,-3-11 0,4 10 0,0-9 0,-4 9 0,3-10 0,-3 11 0,4-11 0,0 15 0,0-14 0,-4 13 0,3-13 0,-3 17 0,0-16 0,3 12 0,-3-14 0,0 18 0,-1-11 0,-4 28 0,4-14 0,1 30 0,4-28 0,0 42 0,0-49 0,0 50 0,0-52 0,0 34 0,0-37 0,0 24 0,0-28 0,0 23 0,0-23 0,0 20 0,0-18 0,0 18 0,0-16 0,-4 28 0,3-31 0,-3 34 0,4-38 0,-4 26 0,3-25 0,-3 19 0,4-15 0,-4 14 0,3-17 0,-3 16 0,4-16 0,0 21 0,0-16 0,0 24 0,0-24 0,0 33 0,0-31 0,0 32 0,0-34 0,0 28 0,0-27 0,0 22 0,0-23 0,0 28 0,0-27 0,0 31 0,0-31 0,0 23 0,0-25 0,0 25 0,0-24 0,0 21 0,4-23 0,-3 14 0,3-13 0,0 21 0,-3-10 0,3 16 0,0-17 0,3 24 0,-2-30 0,5 31 0,-6-35 0,5 21 0,0-20 0,0 20 0,0-21 0,-1 29 0,1-26 0,0 25 0,-4-27 0,7 24 0,-10-24 0,13 28 0,-13-27 0,10 27 0,-11-28 0,11 28 0,-10-31 0,9 26 0,-10-32 0,7 28 0,-3-23 0,4 20 0,-4-17 0,2 21 0,-2-24 0,4 27 0,0-27 0,0 24 0,-4-25 0,-1 25 0,-4-29 0,0 20 0,0-21 0,3 18 0,-2-14 0,3 22 0,-4-16 0,0 20 0,4-21 0,-3 21 0,3-20 0,-4 24 0,0-27 0,0 25 0,0-30 0,0 23 0,0-20 0,0 21 0,0-20 0,0 36 0,0-33 0,0 56 0,0-51 0,-4 41 0,3-48 0,-9 35 0,9-34 0,-9 28 0,9-27 0,-7 9 0,7-15 0,-3 19 0,4-17 0,-3 29 0,2-23 0,-3 23 0,4-29 0,0 24 0,0-27 0,0 23 0,0-24 0,0 20 0,0-20 0,0 24 0,0-23 0,0 27 0,0-27 0,-4 27 0,-1-28 0,-4 21 0,4-23 0,1 15 0,4-14 0,-8 9 0,6-10 0,-6 10 0,8-9 0,0 6 0,-4-12 0,3 2 0,-3-2 0,0 0 0,3 3 0,-3-3 0,4 4 0,0-1 0,-4-3 0,3 3 0,-7-7 0,3 3 0,-4-4 0,1 0 0,-1 0 0,0 0 0,0 0 0,0 0 0,0 0 0,-8-4 0,6-1 0,-33-27 0,24 17 0,-52-41 0,46 41 0,-35-33 0,40 35 0,-16-24 0,21 21 0,-16-13 0,20 14 0,-25-14 0,20 14 0,-16-15 0,18 15 0,-14-10 0,22 14 0,-21-9 0,21 10 0,-14-7 0,11 7 0,-14-19 0,8 13 0,-14-14 0,15 16 0,-9-7 0,13 10 0,-18-13 0,13 13 0,-13-14 0,14 14 0,-10-6 0,14 8 0,-18-7 0,18 5 0,-14-6 0,15 8 0,-3 0 0,4 4 0,-4-7 0,0 6 0,-9-7 0,7 5 0,-10-5 0,10 7 0,-14-10 0,9 10 0,-2-7 0,9 4 0,1 4 0,6-3 0,-14 7 0,17-7 0,-21 7 0,21-6 0,-21 2 0,17-4 0,-9 4 0,7-3 0,-4 3 0,3 0 0,-11-3 0,10 3 0,-13-4 0,9 0 0,-3 0 0,5 4 0,0-3 0,3 4 0,-7-1 0,7-3 0,-10 3 0,9-4 0,-6 4 0,8-3 0,0 3 0,0 0 0,0 1 0,0 4 0,1 0 0,3-4 0,-3 3 0,3-3 0,0 0 0,-3 3 0,3-3 0,-4 4 0,-8-4 0,6 3 0,-13-3 0,9 4 0,-15-4 0,14 3 0,-16-7 0,20 8 0,-9-4 0,12 4 0,0 0 0,0 0 0,0 0 0,1 0 0,3-4 0,-3 3 0,3-3 0,-4 4 0,-4 0 0,3 0 0,-7 0 0,7 0 0,-3 0 0,5-4 0,-1 3 0,0-3 0,4 0 0,-3 3 0,7-7 0,-3 3 0,0-4 0,3 0 0,-3-12 0,0 6 0,3-23 0,-3 17 0,0-20 0,3 20 0,-7-20 0,7 20 0,-3-24 0,4 24 0,0-38 0,0 35 0,0-57 0,-4 53 0,-1-44 0,0 51 0,-2-29 0,6 29 0,-3-28 0,0 27 0,-1-27 0,0 31 0,1-26 0,4 27 0,-4-36 0,3 33 0,-3-32 0,4 35 0,-4-28 0,3 27 0,-7-26 0,7 27 0,-3-24 0,4 20 0,0-16 0,0 21 0,-4-24 0,3 26 0,-3-27 0,4 26 0,0-23 0,0 21 0,0-11 0,0 18 0,0-11 0,0 10 0,0-21 0,0 15 0,-4-20 0,3 21 0,-3-28 0,4 25 0,0-34 0,0 31 0,-4-27 0,3 27 0,-8-36 0,7 34 0,-4-35 0,6 38 0,-4-29 0,3 33 0,-3-39 0,4 36 0,0-33 0,0 32 0,0-20 0,0 20 0,0-34 0,0 31 0,0-30 0,0 33 0,0-24 0,0 23 0,-3-31 0,2 30 0,-3-30 0,0 32 0,3-28 0,-3 27 0,4-23 0,0 24 0,0-24 0,0 23 0,0-23 0,0 24 0,0-24 0,0 23 0,0-23 0,0 28 0,0-19 0,0 20 0,0-22 0,0 22 0,0-25 0,0 25 0,0-22 0,0 22 0,0-28 0,0 29 0,0-33 0,0 31 0,0-24 0,0 20 0,0-20 0,0 24 0,0-37 0,4 34 0,-3-38 0,2 36 0,1-31 0,-3 30 0,3-22 0,-4 29 0,4-12 0,-3 17 0,3-18 0,0 17 0,-3-20 0,3 20 0,-4-17 0,0 14 0,4-18 0,1 16 0,0-20 0,-2 26 0,1-14 0,-3 15 0,3-7 0,-4 7 0,4-3 0,-3 5 0,3-9 0,-4 6 0,4-6 0,-3 8 0,3-4 0,-4 3 0,4-3 0,-3 5 0,3-1 0,-4 0 0,4 4 0,-4-3 0,4 3 0,-4-4 0,0 0 0,0 0 0,4 0 0,-3 0 0,7 4 0,-7-2 0,3 2 0,-4-4 0,0 0 0,4 0 0,-3 0 0,7 4 0,-7-3 0,-1 7 0,-5-3 0,-4 8 0,0 1 0,-4 4 0,-9 3 0,7-2 0,-18 11 0,17-11 0,-25 15 0,19-14 0,-35 17 0,34-20 0,-34 19 0,35-24 0,-19 21 0,21-22 0,-14 18 0,15-14 0,-15 10 0,14-10 0,-13 14 0,17-13 0,-13 9 0,23-7 0,-14 0 0,14 0 0,-7 0 0,4-1 0,-8 1 0,6 0 0,-21 8 0,15-7 0,-45 15 0,36-15 0,-41 15 0,49-14 0,-18 5 0,25-7 0,-14 4 0,14-7 0,-13 9 0,13-9 0,-22 15 0,17-11 0,-43 20 0,38-21 0,-33 16 0,38-19 0,-9 7 0,11-5 0,-7 1 0,10 0 0,-10 4 0,11-4 0,-6 4 0,10-4 0,-10 0 0,10 0 0,-19 11 0,13-8 0,-20 8 0,20-11 0,-25 4 0,21-3 0,-22 2 0,22-3 0,-16 0 0,20-4 0,-25 6 0,29-5 0,-24 7 0,29-4 0,-17 0 0,14-4 0,-7 2 0,4-6 0,1 3 0,-1-4 0,0 4 0,0-3 0,0 3 0,-4 0 0,-22 1 0,12 4 0,-41 1 0,40-1 0,-23-2 0,32 1 0,-1-7 0,7 3 0,4 0 0,-3-3 0,7 7 0,-7-4 0,7 5 0,-3 0 0,4 0 0,0 0 0,0 11 0,0-4 0,0 21 0,0-17 0,0 21 0,0-20 0,4 43 0,2-29 0,6 54 0,0-44 0,3 35 0,-7-47 0,9 61 0,-10-63 0,3 21 0,0 0 0,-4-26 0,15 60 0,-14-59 0,7 24 0,0 1 0,-6-21 0,10 34 0,-1 2 0,-11-24 0,9 20 0,2 1 0,-9-16 0,5 15 0,2 1 0,0-12 0,-4 12 0,0-1 0,2-16 0,4 52 0,-9-54 0,2 12 0,1 1 0,-3-6 0,2 9 0,-1 3 0,-2 2 0,0-1 0,1 2 0,3 24-2895,-6 2 1,2 3 2894,3-37 0,0 2 0,-5 14 0,-2 8 0,1-8 0,3-16 0,-1 2 0,-2 18 0,0 11 0,-3-12 0,0-26 0,-2 1 0,1 15 0,0 15 0,0 0 0,0-14 0,0-12 0,0 0 0,0 35 0,0 14 0,0-20-45,0-5 45,0 9 0,0-5 0,0-35 0,0 49 0,0-66 0,0 26 0,0-38 0,0 28 0,0-28 0,0 28 0,0-31 5771,0 26-5771,0-31 63,0 23-63,0-21 0,0 19 0,0-15 0,-4 10 0,3-14 0,-3 9 0,4-13 0,0 6 0,0-8 0,-4-4 0,3 2 0,-6-6 0,6-1 0,-7-1 0,3-7 0,0 3 0,-7-7 0,10 2 0,-14-15 0,10 9 0,-19-25 0,10 19 0,-21-37 0,12 26 0,-27-47 0,14 41 0,2-2 0,-1 0 0,-2 3 0,-35-30 0,45 36 0,-26-21 0,33 31 0,-32-27 0,29 27 0,-33-27 0,26 24 0,-30-29 0,28 28 0,-35-21 0,44 27 0,-35-15 0,28 11 0,-20-14 0,20 14 0,-26-18 0,33 25 0,-29-15 0,36 21 0,-16-14 0,23 18 0,-11-17 0,11 21 0,-11-16 0,10 13 0,-17-15 0,12 10 0,-26-14 0,25 18 0,-24-8 0,29 10 0,-16-8 0,13 3 0,-15-7 0,15 11 0,-18-10 0,21 10 0,-20-7 0,16 5 0,-18-5 0,18 7 0,-12-14 0,13 17 0,-11-17 0,11 18 0,-9-14 0,13 10 0,-18-10 0,17 10 0,-32-10 0,25 10 0,-26-7 0,29 4 0,-13 0 0,19 4 0,-11-3 0,11 7 0,-7-3 0,7 0 0,-7 0 0,7-1 0,-10-3 0,9 7 0,-18-11 0,17 10 0,-12-10 0,14 11 0,-3-3 0,4 4 0,4-4 0,-3 3 0,3-3 0,0 0 0,-3 3 0,7-7 0,-7 7 0,3-7 0,0 3 0,-2-8 0,2 4 0,-8-16 0,3 9 0,-3-25 0,4 19 0,-10-54 0,6 39 0,-1-12 0,2 0 0,3 14 0,-6-13 0,1-1 0,10 11 0,-11-15 0,1-2 0,11 8 0,-5-6 0,-1-2 0,-2-12 0,4 10 0,0 1 0,-3-1 0,3-1 0,2 2 0,4 16 0,-5-57 0,2 63 0,3-43 0,-3 51 0,-2-52 0,5 54 0,-5-30 0,6 33 0,0-32 0,0 29 0,0-33 0,0 36 0,0-29 0,0 33 0,0-32 0,0 36 0,0-32 0,0 29 0,4-26 0,-3 22 0,7-22 0,-7 22 0,11-43 0,-10 37 0,13-36 0,-13 41 0,10-21 0,-11 22 0,7-22 0,-7 22 0,6-25 0,0 14 0,6-21 0,-5 12 0,8-39 0,-11 42 0,8-49 0,-4 62 0,0-30 0,-4 33 0,2-20 0,-6 20 0,3-17 0,0 23 0,1-10 0,0 15 0,3-15 0,-7 10 0,7-15 0,-7 15 0,3-10 0,-4 14 0,3-13 0,-2 13 0,7-18 0,-7 17 0,7-20 0,-7 16 0,11-25 0,-10 19 0,9-19 0,-10 21 0,7-14 0,-3 15 0,4-11 0,-4 15 0,-1-13 0,0 16 0,0-21 0,1 21 0,11-28 0,-13 22 0,16-27 0,-17 24 0,10-20 0,-11 24 0,11-27 0,-10 30 0,10-26 0,-11 28 0,6-17 0,-6 18 0,3-14 0,0 15 0,-3-19 0,3 13 0,-4-17 0,0 17 0,0-17 0,0 21 0,0-20 0,0 20 0,0-13 0,0 15 0,0-6 0,0 6 0,0-3 0,0 4 0,-4 4 0,-1-3 0,-4 7 0,0-3 0,-7 8 0,1 1 0,-15 11 0,10-5 0,-38 31 0,32-27 0,-50 35 0,43-36 0,-24 19 0,26-21 0,-6 12 0,17-13 0,-17 14 0,20-15 0,-41 17 0,37-16 0,-41 15 0,31-13 0,-30 17 0,27-16 0,-24 16 0,36-23 0,-19 13 0,25-14 0,-20 6 0,23-7 0,-32 7 0,28-6 0,-50 12 0,32-6 0,-34 3 0,42-4 0,-17-6 0,31 2 0,-24-2 0,26 0 0,-22 3 0,17-3 0,-21 8 0,20-4 0,-35 4 0,23-2 0,-31-2 0,29 2 0,-10-3 0,25-3 0,-5-1 0,13-4 0,-1 4 0,0-3 0,4 7 0,-3-7 0,3 7 0,-4-7 0,-20 10 0,2-3 0,-34 21 0,18-13 0,-27 18 0,41-21 0,-21 5 0,42-9 0,-12-4 0,19 3 0,-7-7 0,7 7 0,-7-3 0,7 3 0,-3 13 0,4-9 0,0 32 0,0-26 0,0 44 0,0-28 0,0 55 0,0-23 0,0 8 0,0 3-617,0 19 617,0-30 0,0 10 0,0-9 0,0-17 0,0 0 0,0 18 0,0 8 0,0-11 0,0 11 0,0-12 0,0 11 0,0-10 0,0 16 0,0 14 0,0-3 0,0-30 0,0-3 0,0-5 0,0-28 0,0 42 0,0-46 0,0 26 0,0-26 0,0 19 0,0-25 0,0 16 0,0-13 617,0 16-617,0-16 0,4 13 0,-3-20 0,3 24 0,0-19 0,1 20 0,0-17 0,11 17 0,-14-21 0,14 28 0,-11-26 0,0 23 0,-1-22 0,0 19 0,-3-22 0,6 24 0,-6-23 0,7 20 0,-7-17 0,3 13 0,-4-14 0,0 15 0,0-15 0,0 26 0,0-23 0,0 41 0,0-39 0,0 53 0,0-42 0,4 54 0,-3-53 0,9 50 0,-9-59 0,9 48 0,-9-51 0,3 32 0,-4-34 0,3 36 0,4-25 0,-1 37 0,-1-36 0,-1 33 0,-3-43 0,3 30 0,-4-33 0,4 24 0,-3-27 0,3 22 0,-4-29 0,0 18 0,0-19 0,0 15 0,0-10 0,4 10 0,-3-7 0,3 12 0,-4-15 0,4 18 0,-3-22 0,2 18 0,-3-19 0,0 15 0,4-14 0,-3 9 0,3-10 0,-4 7 0,0-8 0,4 16 0,-3-14 0,7 18 0,-3-18 0,4 17 0,-5-16 0,0 12 0,0-10 0,-3 3 0,3-3 0,0 3 0,-3-8 0,7 4 0,-7-4 0,3 4 0,-4-4 0,0 8 0,0-7 0,-4-1 0,3-2 0,-7-6 0,-5 3 0,2-8 0,-21-16 0,11-7 0,-32-39 0,6 11 0,5 4 0,0 0 0,-9-7 0,7 8 0,3 2 0,9 3 0,-25-23 0,36 37 0,-19-15 0,27 26 0,-27-14 0,23 15 0,-28-6 0,14 8 0,-38-14 0,24 15 0,-24-7 0,38 12 0,-18-1 0,27 6 0,-23-10 0,28 14 0,-27-18 0,26 13 0,-40-19 0,34 14 0,-48-20 0,51 20 0,-33-19 0,38 20 0,-14-10 0,16 15 0,-11-9 0,14 13 0,-10-14 0,11 14 0,-7-10 0,8 7 0,-20-4 0,16 4 0,-23-7 0,24 10 0,-21-10 0,21 11 0,-16-7 0,17 7 0,-14-6 0,14 6 0,-6-3 0,8 4 0,-11-8 0,8 6 0,-17-10 0,18 7 0,-13-4 0,13 0 0,-6 4 0,8 1 0,-4 0 0,3-1 0,-11-4 0,10 4 0,-13-6 0,13 9 0,-22-14 0,16 10 0,-12-7 0,15 8 0,-3-7 0,7 10 0,-3-6 0,8 4 0,-2 3 0,6-7 0,-7 3 0,3 0 0,-4-2 0,4 2 0,-7-4 0,10 0 0,-10 4 0,11-3 0,-7-5 0,7 2 0,-7-21 0,7 5 0,-7-47 0,7 27 0,-1-16 0,0 0 0,2 11 0,0-12 0,0 1 0,0 15 0,0-6 0,0 0 0,0 6 0,0-50 0,0 53 0,0-26 0,0 40 0,0-26 0,0 37 0,0-28 0,0 36 0,0-20 0,0 20 0,0-17 0,0 18 0,0-9 0,0 10 0,0-7 0,0 7 0,0-15 0,0 13 0,0-20 0,0 16 0,0-14 0,0 16 0,0-15 0,0 13 0,0-21 0,0 20 0,0-20 0,0 26 0,0-26 0,0 20 0,0-24 0,0 20 0,0-20 0,0 20 0,0-20 0,0 24 0,0-23 0,0 23 0,0-24 0,0 20 0,0-20 0,0 20 0,0-24 0,0 23 0,0-19 0,0 21 0,0-14 0,0 15 0,0-15 0,0 18 0,0-20 0,0 23 0,0-35 0,0 33 0,0-33 0,0 31 0,0-34 0,0 28 0,0-31 0,0 36 0,0-30 0,0 30 0,0-50 0,0 32 0,0-53 0,0 25 0,0 13 0,0 0 0,0-16 0,0-30 0,0 61 0,0-32 0,0 47 0,0-24 0,0 24 0,0-21 0,0 26 0,0-21 0,0 22 0,0-19 0,0 18 0,0-9 0,0 15 0,0-2 0,0 3 0,0-4 0,0 3 0,0-3 0,0 4 0,0-4 0,0 3 0,0-6 0,0 6 0,0-11 0,0 10 0,0-14 0,0 14 0,0-17 0,0 16 0,4-17 0,-3 14 0,3-10 0,0 10 0,-3-18 0,7 20 0,-7-19 0,3 21 0,-4-18 0,4 17 0,-3-12 0,3 14 0,0-3 0,-3 4 0,2 0 0,-3 0 0,0-4 0,4 7 0,-3-5 0,3 6 0,-4-4 0,0 0 0,0 0 0,0 0 0,0 0 0,0 0 0,0 0 0,0 0 0,0 0 0,0 1 0,0-1 0,0 0 0,0 4 0,0 1 0</inkml:trace>
-</inkml:ink>
-</file>
-
-<file path=ppt/ink/ink15.xml><?xml version="1.0" encoding="utf-8"?>
-<inkml:ink xmlns:inkml="http://www.w3.org/2003/InkML">
-  <inkml:definitions>
-    <inkml:context xml:id="ctx0">
-      <inkml:inkSource xml:id="inkSrc0">
-        <inkml:traceFormat>
-          <inkml:channel name="X" type="integer" min="-2.14748E9" max="2.14748E9" units="cm"/>
-          <inkml:channel name="Y" type="integer" min="-2.14748E9" max="2.14748E9" units="cm"/>
-          <inkml:channel name="F" type="integer" max="32767" units="dev"/>
-        </inkml:traceFormat>
-        <inkml:channelProperties>
-          <inkml:channelProperty channel="X" name="resolution" value="1000" units="1/cm"/>
-          <inkml:channelProperty channel="Y" name="resolution" value="1000" units="1/cm"/>
-          <inkml:channelProperty channel="F" name="resolution" value="0" units="1/dev"/>
-        </inkml:channelProperties>
-      </inkml:inkSource>
-      <inkml:timestamp xml:id="ts0" timeString="2020-06-08T03:27:08.880"/>
-    </inkml:context>
-    <inkml:brush xml:id="br0">
-      <inkml:brushProperty name="width" value="0.1" units="cm"/>
-      <inkml:brushProperty name="height" value="0.1" units="cm"/>
-      <inkml:brushProperty name="color" value="#E71224"/>
-    </inkml:brush>
-  </inkml:definitions>
-  <inkml:trace contextRef="#ctx0" brushRef="#br0">4247 4378 24575,'-13'0'0,"1"0"0,4 0 0,-1 0 0,-3 0 0,-1 0 0,0 0 0,-6 4 0,9 0 0,-10 1 0,11 2 0,-7 2 0,7-4 0,-10 10 0,8-10 0,-12 14 0,13-5 0,-13 10 0,9-7 0,-17 11 0,11-6 0,-11 2 0,13-7 0,-6 2 0,10-9 0,-9 13 0,13-17 0,-9 16 0,9-15 0,-13 16 0,5-10 0,-7 11 0,1-6 0,10 2 0,-13 0 0,16-6 0,-9 1 0,-3 1 0,11-6 0,-18 9 0,16-10 0,-14 10 0,10-9 0,-25 17 0,15-9 0,-16 7 0,9-7 0,-6 2 0,12-9 0,-10 9 0,21-15 0,-13 13 0,16-15 0,-8 15 0,13-12 0,-13 13 0,12-9 0,-16 9 0,17-9 0,-17 5 0,16-6 0,-27 10 0,18-5 0,-16 6 0,15-7 0,-7-1 0,10-4 0,-14 11 0,14-8 0,-14 12 0,14-14 0,-10 7 0,14-11 0,-12 14 0,11-13 0,-9 10 0,7-4 0,4-3 0,-3 3 0,0 0 0,-2 0 0,-2 5 0,-1-4 0,8-1 0,-11 3 0,11-5 0,-4 6 0,-10 7 0,15-12 0,-22 23 0,23-23 0,-16 12 0,9-10 0,-3 3 0,4-3 0,2 3 0,-2-3 0,3-4 0,-2 2 0,-7 4 0,11-7 0,-15 14 0,22-17 0,-10 7 0,13-4 0,-13 0 0,13 1 0,-9-1 0,6 0 0,-3 0 0,0 1 0,-1-5 0,1 0 0,0-4 0,-1 0 0,1 0 0,-15 0 0,7 0 0,-19-8 0,17-1 0,-37-22 0,31 14 0,-38-13 0,41 21 0,-21-11 0,23 10 0,-24-13 0,27 13 0,-26-10 0,30 11 0,-26-10 0,23 9 0,-24-14 0,23 14 0,-18-6 0,23 8 0,-20-4 0,20 6 0,-15-12 0,15 15 0,-19-15 0,14 12 0,-23-13 0,24 12 0,-27-19 0,26 19 0,-23-16 0,24 13 0,-15-2 0,19 4 0,-16-4 0,17 3 0,-17-7 0,16 10 0,-24-12 0,23 11 0,-29-16 0,28 13 0,-25-13 0,27 16 0,-19-15 0,15 16 0,-20-18 0,15 14 0,-18-17 0,18 16 0,-18-15 0,18 15 0,-26-19 0,25 18 0,-25-19 0,27 21 0,-20-13 0,20 13 0,-16-13 0,16 12 0,-20-8 0,23 10 0,-26-7 0,27 7 0,-28-11 0,27 10 0,-22-6 0,23 8 0,-16-4 0,16 3 0,-12-7 0,17 7 0,-10-4 0,11 5 0,-10-4 0,8 7 0,-15-10 0,14 9 0,-7-6 0,11 7 0,3-2 0,1 2 0,4-7 0,0 3 0,0-6 0,0 2 0,0-15 0,0 12 0,0-18 0,0 23 0,0-19 0,0 18 0,-3-14 0,2 15 0,-3-12 0,4 13 0,-4-13 0,3 13 0,-6-13 0,6 12 0,-3-12 0,4 13 0,-3-13 0,2 13 0,-3-17 0,4 16 0,0-20 0,0 20 0,0-27 0,0 25 0,0-32 0,0 29 0,0-30 0,0 25 0,0-33 0,0 31 0,0-41 0,0 42 0,0-37 0,0 38 0,0-28 0,4 28 0,0-34 0,1 33 0,-2-42 0,-3 42 0,4-33 0,-3 35 0,3-26 0,-4 25 0,0-32 0,0 31 0,0-31 0,0 36 0,0-25 0,0 30 0,0-22 0,0 23 0,0-16 0,0 17 0,0-17 0,0 16 0,0-16 0,0 17 0,0-13 0,0 13 0,0-10 0,0 11 0,0-14 0,0 12 0,0-16 0,0 17 0,0-17 0,0 12 0,0-12 0,0 9 0,0-17 0,0 18 0,0-17 0,0 20 0,0-13 0,0 12 0,0-12 0,0 17 0,0-10 0,0 11 0,0-10 0,0 8 0,0-12 0,0 13 0,0-13 0,0 13 0,0-17 0,0 5 0,0-1 0,0 4 0,0 3 0,0 6 0,0-9 0,0 9 0,0-9 0,0 9 0,0-6 0,0 8 0,0-1 0,0 1 0,0 0 0,3-1 0,2 5 0,3 0 0,8 4 0,-6 0 0,16 7 0,-7-1 0,16 20 0,-12-14 0,28 29 0,-10-6 0,5 2 0,3 1 0,7 10 0,0-1 0,-1 0 0,-1 0 0,-2-4 0,-2 0 0,-5-1 0,31 12 0,-55-39 0,23 17 0,-26-21 0,17 16 0,-20-17 0,23 13 0,-26-13 0,25 13 0,-25-17 0,33 20 0,-31-19 0,31 20 0,-33-21 0,18 16 0,-17-16 0,15 14 0,-13-15 0,15 10 0,-16-10 0,17 11 0,-16-7 0,19 6 0,-22-5 0,22 5 0,-23-9 0,15 8 0,-16-8 0,17 6 0,-16-4 0,12 0 0,-14-3 0,6 2 0,-6-6 0,7 6 0,-7-6 0,7 6 0,-7-2 0,6 3 0,-5-3 0,9 2 0,-9-6 0,9 10 0,-13-6 0,8 4 0,-8-6 0,9 1 0,-6-3 0,11 6 0,-10-6 0,9 10 0,-10-9 0,7 5 0,-7-3 0,6 1 0,-6-1 0,7 3 0,-11-2 0,14 0 0,-17 2 0,20-3 0,-15 1 0,5 2 0,-5-6 0,1 7 0,1-7 0,3 6 0,-3-3 0,2 1 0,-1 2 0,1-2 0,-2-1 0,3 4 0,-3-7 0,-1 6 0,-1-6 0,2 6 0,-4-2 0,6-1 0,-6 0 0,-1 0 0,3-3 0,-6-1 0,3-9 0,0-4 0,-3-11 0,2-3 0,-3-14 0,0 16 0,0-17 0,0 27 0,0-31 0,0 25 0,0-22 0,0 25 0,0-14 0,0 18 0,0-13 0,0 16 0,0-15 0,0 15 0,0-13 0,0 12 0,0-5 0,0 4 0,0-3 0,0 7 0,0-11 0,0 10 0,0-13 0,0 13 0,0-13 0,0 13 0,0-21 0,0 19 0,0-18 0,0 19 0,0-12 0,0 13 0,0-17 0,0 16 0,0-19 0,0 19 0,0-20 0,0 16 0,0-16 0,0 16 0,0-19 0,0 18 0,0-19 0,0 20 0,0-11 0,0 15 0,0-12 0,0 13 0,0-13 0,0 13 0,0-17 0,0 16 0,0-20 0,0 16 0,0-12 0,0 13 0,0-9 0,0 12 0,0-12 0,0 13 0,0-13 0,-3 13 0,2-13 0,-3 12 0,4-8 0,0 10 0,0-3 0,0 3 0,-4-3 0,3-1 0,-6-7 0,6 6 0,-3-2 0,4 8 0,0-11 0,-3 7 0,2-14 0,-3 15 0,4-12 0,0 13 0,0-13 0,-4 9 0,3-10 0,-2 10 0,3-5 0,0 9 0,-4-9 0,3 9 0,-3-17 0,4 16 0,0-16 0,0 17 0,0-10 0,-3 11 0,2-7 0,-3 7 0,4-7 0,0 7 0,0-11 0,0 10 0,0-9 0,0 9 0,0-2 0,0 4 0,0-4 0,0 3 0,0-7 0,0 7 0,0-7 0,0 7 0,0-7 0,0 7 0,0-3 0,0 3 0,0 1 0,0 0 0,0-1 0,0 1 0,0 0 0,0-1 0,0 1 0,0 0 0,0-1 0,0 1 0,0 0 0,0-1 0,0 1 0,0 0 0,0-1 0,0 1 0,0 0 0,0-1 0,0 1 0,-4 3 0,3-2 0,-6 2 0,2-3 0,-3 0 0,0-1 0,-8-7 0,6 6 0,-17-17 0,16 16 0,-16-16 0,17 17 0,-14-13 0,18 13 0,-16-13 0,15 13 0,-16-14 0,13 18 0,-13-16 0,12 15 0,-19-16 0,14 13 0,-19-13 0,17 12 0,-14-8 0,14 6 0,-13-7 0,16 10 0,-16-9 0,17 13 0,-22-13 0,21 9 0,-23-10 0,26 11 0,-33-10 0,31 8 0,-28-8 0,28 13 0,-21-12 0,15 8 0,-40-18 0,36 14 0,-40-13 0,44 17 0,-34-21 0,32 23 0,-28-18 0,31 21 0,-12-11 0,13 7 0,-10-7 0,14 7 0,-17-11 0,16 10 0,-9-6 0,11 12 0,-6-8 0,5 7 0,-10-15 0,7 14 0,-15-13 0,17 14 0,-20-11 0,24 7 0,-16-7 0,17 7 0,-17-11 0,13 10 0,-14-9 0,18 9 0,-13-5 0,17 5 0,-17-5 0,13 5 0,-14-5 0,14 5 0,-17-5 0,16 5 0,-19-9 0,19 9 0,-20-13 0,20 12 0,-19-12 0,18 13 0,-18-9 0,15 9 0,-16-9 0,16 9 0,-8-6 0,14 8 0,-7-5 0,7 8 0,-3-6 0,3 10 0,1-7 0,0 8 0,3-8 0,-2 7 0,6-6 0,-7 6 0,7-7 0,-6 8 0,6-8 0,-3 7 0,4-3 0</inkml:trace>
-</inkml:ink>
-</file>
-
-<file path=ppt/ink/ink16.xml><?xml version="1.0" encoding="utf-8"?>
-<inkml:ink xmlns:inkml="http://www.w3.org/2003/InkML">
-  <inkml:definitions>
-    <inkml:context xml:id="ctx0">
-      <inkml:inkSource xml:id="inkSrc0">
-        <inkml:traceFormat>
-          <inkml:channel name="X" type="integer" min="-2.14748E9" max="2.14748E9" units="cm"/>
-          <inkml:channel name="Y" type="integer" min="-2.14748E9" max="2.14748E9" units="cm"/>
-          <inkml:channel name="F" type="integer" max="32767" units="dev"/>
-        </inkml:traceFormat>
-        <inkml:channelProperties>
-          <inkml:channelProperty channel="X" name="resolution" value="1000" units="1/cm"/>
-          <inkml:channelProperty channel="Y" name="resolution" value="1000" units="1/cm"/>
-          <inkml:channelProperty channel="F" name="resolution" value="0" units="1/dev"/>
-        </inkml:channelProperties>
-      </inkml:inkSource>
-      <inkml:timestamp xml:id="ts0" timeString="2020-06-08T03:30:16.517"/>
-    </inkml:context>
-    <inkml:brush xml:id="br0">
-      <inkml:brushProperty name="width" value="0.1" units="cm"/>
-      <inkml:brushProperty name="height" value="0.1" units="cm"/>
-      <inkml:brushProperty name="color" value="#E71224"/>
-    </inkml:brush>
-  </inkml:definitions>
-  <inkml:trace contextRef="#ctx0" brushRef="#br0">475 7946 24575,'-8'9'0,"-1"-2"0,1-7 0,0 0 0,-1 0 0,1-3 0,3-2 0,-2-14 0,6-5 0,-3-61 0,4 18 0,0-4 0,0 0 0,0 4 0,0-18 0,0-1 0,0 10 0,0-21 0,0 0 0,0 26 0,0-17 0,0 3 0,0 31 0,0-15 0,0 1 0,0 23 0,0-14 0,0-1 0,0 11 0,0-7 0,0 2 0,0 11 0,0-30 0,0 42 0,4-22 0,1 36 0,-1-20 0,0 22 0,0-13 0,-4 14 0,8-13 0,-7 13 0,2-14 0,1 10 0,-3-6 0,6 10 0,-6-12 0,3 14 0,-4-7 0,0 11 0,0-1 0,0 1 0,0 0 0,0-1 0,0-3 0,3 7 0,-2-10 0,3 9 0,-4-6 0,0 4 0,4 0 0,0 3 0,4 1 0,4 1 0,-2 2 0,5-3 0,-6 4 0,10 0 0,-5 0 0,14 0 0,-14 0 0,20 7 0,-22-1 0,22 9 0,-23-6 0,19 7 0,-19-11 0,23 14 0,-22-13 0,29 17 0,-25-13 0,26 13 0,-22-13 0,31 18 0,-29-16 0,32 19 0,-37-20 0,20 16 0,-26-17 0,20 9 0,-17-13 0,21 12 0,-19-12 0,21 17 0,-21-13 0,26 17 0,-26-16 0,29 12 0,-32-18 0,24 14 0,-26-17 0,16 17 0,-17-18 0,13 18 0,-13-17 0,13 17 0,-13-17 0,13 12 0,-13-8 0,12 9 0,-11-9 0,19 16 0,-11-11 0,9 9 0,-8-8 0,8 7 0,-9-8 0,45 34 0,-24-16 0,21 12 0,-29-13 0,17 6 0,-29-16 0,43 27 0,-49-34 0,57 38 0,-42-27 0,26 14 0,-31-21 0,25 8 0,-28-11 0,38 18 0,-43-20 0,19 13 0,-21-13 0,24 17 0,-18-13 0,16 6 0,-19-8 0,-1-4 0,-12 1 0,11-1 0,-12 0 0,11-3 0,-13 2 0,6-6 0,-2 3 0,0-8 0,2-8 0,-6 2 0,2-10 0,-3 7 0,0 1 0,0-19 0,0 15 0,0-55 0,0 35 0,0-55 0,0 49 0,0-50 0,0 47 0,0-14 0,0-1 0,0 11 0,0-11 0,0 1 0,0 14 0,6-47 0,-5 50 0,8-28 0,-8 31 0,3-13 0,-4 14 0,0-19 0,0 17 0,0-26 0,0 35 0,0-33 0,0 33 0,0-43 0,0 40 0,0-37 0,0 49 0,0-28 0,0 34 0,-4-21 0,3 25 0,-6-22 0,6 19 0,-7-17 0,4 18 0,-1-13 0,-2 13 0,2-10 0,0 10 0,-2-9 0,6 13 0,-6-17 0,6 16 0,-7-16 0,7 13 0,-6-10 0,6 10 0,-6-9 0,6 9 0,-7-14 0,4 14 0,-1-17 0,-2 20 0,6-20 0,-7 20 0,4-19 0,-1 19 0,-2-20 0,6 20 0,-3-12 0,0 14 0,3-7 0,-6 7 0,6-3 0,-3 3 0,1 5 0,-2-4 0,-3 7 0,-1-2 0,1 3 0,-4-4 0,-1-1 0,-15-7 0,9 3 0,-20-7 0,20 7 0,-20-10 0,20 8 0,-24-8 0,23 10 0,-26-11 0,29 14 0,-28-17 0,29 17 0,-23-13 0,24 9 0,-12-2 0,17 4 0,-13 0 0,13-1 0,-17-3 0,16 7 0,-23-14 0,22 16 0,-26-15 0,26 12 0,-26-10 0,22 7 0,-22-3 0,18 4 0,-31-10 0,20 1 0,-44-8 0,42 8 0,-58-9 0,56 13 0,-19-4 0,-1 0 0,18 4 0,-43-15 0,51 21 0,-19-11 0,19 12 0,-14-9 0,27 9 0,-21-9 0,25 13 0,-15-9 0,18 7 0,-11-5 0,14 1 0,-13 3 0,14-2 0,-7 6 0,7-6 0,-3 6 0,8-7 0,-8 7 0,4-2 0,-9-5 0,4 6 0,1-9 0,0 10 0,4-2 0,-1-1 0,-2 3 0,6-6 0,-14 2 0,9 0 0,-14-2 0,15 2 0,-10 1 0,13-4 0,-13 4 0,9-1 0,-6-6 0,4 9 0,0-9 0,-1 10 0,-6-10 0,4 9 0,-12-17 0,9 13 0,-2-10 0,4 12 0,3-4 0,1 3 0,0 1 0,3-4 0,-2 8 0,6-8 0,-7 7 0,7-6 0,-6 6 0,6-7 0,-6 8 0,-2-8 0,0 7 0,1-6 0,0 6 0,4-3 0,-1 0 0,-2 3 0,6-6 0,-7 2 0,4-3 0,-1 0 0,-2-4 0,6-10 0,-12-29 0,0 9 0,-1-12 0,-3-3 0,-16-10 0,10 5 0,1 1 0,-12-2 0,13 11 0,2 3 0,0 13 0,-3-45 0,11 50 0,-5-43 0,9 32 0,-10-22 0,15 35 0,-12-17 0,8 26 0,-11-35 0,5 23 0,-6-21 0,11 29 0,-4-18 0,6 29 0,1-21 0,0 20 0,4-17 0,0 11 0,0-15 0,0 21 0,0-21 0,0 20 0,0-28 0,0 23 0,-5-51 0,3 45 0,-3-63 0,5 55 0,0-31 0,0 35 0,0-12 0,0 23 0,0-24 0,0 27 0,-5-38 0,3 26 0,-3-33 0,5 31 0,0-16 0,0 27 0,0-16 0,0 20 0,0-15 0,0 19 0,0-20 0,0 20 0,0-16 0,0 17 0,0-13 0,0 13 0,0-6 0,0 8 0,0-1 0,0 1 0,0 0 0,0-1 0,3 1 0,2 0 0,3-1 0,8-7 0,-10 6 0,12-9 0,-12 13 0,6-12 0,-4 11 0,-3-9 0,2 8 0,-2 0 0,-1-1 0,3-3 0,-6 3 0,7-7 0,-7 7 0,6-3 0,-6 4 0,2-1 0,1 5 0,1 0 0,3 4 0,4 0 0,4 0 0,2 0 0,25 5 0,-12 2 0,53 27 0,-49-19 0,15 9 0,-1 2 0,-14-7 0,19 8 0,1-1 0,-9-3 0,-1 3 0,0-1 0,-5-10 0,26 23 0,-35-21 0,41 21 0,-38-15 0,40 15 0,-43-16 0,33 15 0,-42-22 0,49 30 0,-47-32 0,34 28 0,-39-30 0,16 23 0,-17-19 0,13 20 0,-12-20 0,28 20 0,-25-19 0,50 30 0,-47-30 0,19 15 0,0-1 0,-17-14 0,52 43 0,-57-46 0,29 28 0,-31-29 0,14 21 0,-19-22 0,15 12 0,-19-14 0,16 7 0,-17-7 0,16 10 0,-15-12 0,16 11 0,-17-13 0,9 11 0,-13-7 0,8 3 0,-8-7 0,9 6 0,-6-6 0,7 11 0,-7-11 0,10 13 0,-9-15 0,10 16 0,-11-18 0,6 14 0,-6-13 0,7 16 0,-7-15 0,7 11 0,-11-9 0,6 3 0,-6-3 0,3 2 0,0-6 0,-3 6 0,2-6 0,-6-1 0,6-8 0,-2-5 0,-1-4 0,5-8 0,-7-19 0,8 4 0,0-36 0,-1-3 0,0 17 0,8-34 0,-3 2 0,-10 45 0,5-12 0,1 3 0,-5 22 0,1-36 0,-2 43 0,-4-19 0,0 18 0,0-24 0,0 31 0,0-48 0,0 47 0,0-47 0,0 40 0,0-27 0,0 29 0,0-17 0,0 26 0,0-22 0,0 22 0,0-22 0,0 22 0,-4-30 0,3 29 0,-10-25 0,6 26 0,-11-18 0,10 18 0,-8-18 0,12 18 0,-9-18 0,10 18 0,-7-18 0,7 22 0,-2-15 0,-1 21 0,3-9 0,-3 9 0,4-2 0,0 4 0,-3-4 0,2 3 0,-7-3 0,7 3 0,-6 5 0,6-4 0,-3 4 0,4-5 0,-3 1 0,2 0 0,-3-1 0,4 1 0,0 0 0,-4-8 0,3 6 0,-6-13 0,6 12 0,-6-15 0,6 14 0,-7-18 0,7 15 0,-6-13 0,6 15 0,-3-7 0,4 11 0,0-3 0,0 4 0,0-1 0,0 1 0,0-1 0,0 1 0,-3 4 0,2-4 0,-7 7 0,4-3 0,-1 8 0,-2-3 0,-2 6 0,0-6 0,-3 3 0,7-4 0,2 0 0</inkml:trace>
-</inkml:ink>
-</file>
-
-<file path=ppt/ink/ink17.xml><?xml version="1.0" encoding="utf-8"?>
-<inkml:ink xmlns:inkml="http://www.w3.org/2003/InkML">
-  <inkml:definitions>
-    <inkml:context xml:id="ctx0">
-      <inkml:inkSource xml:id="inkSrc0">
-        <inkml:traceFormat>
-          <inkml:channel name="X" type="integer" min="-2.14748E9" max="2.14748E9" units="cm"/>
-          <inkml:channel name="Y" type="integer" min="-2.14748E9" max="2.14748E9" units="cm"/>
-          <inkml:channel name="F" type="integer" max="32767" units="dev"/>
-        </inkml:traceFormat>
-        <inkml:channelProperties>
-          <inkml:channelProperty channel="X" name="resolution" value="1000" units="1/cm"/>
-          <inkml:channelProperty channel="Y" name="resolution" value="1000" units="1/cm"/>
-          <inkml:channelProperty channel="F" name="resolution" value="0" units="1/dev"/>
-        </inkml:channelProperties>
-      </inkml:inkSource>
-      <inkml:timestamp xml:id="ts0" timeString="2020-06-08T03:30:18.776"/>
-    </inkml:context>
-    <inkml:brush xml:id="br0">
-      <inkml:brushProperty name="width" value="0.1" units="cm"/>
-      <inkml:brushProperty name="height" value="0.1" units="cm"/>
-      <inkml:brushProperty name="color" value="#E71224"/>
-    </inkml:brush>
-  </inkml:definitions>
-  <inkml:trace contextRef="#ctx0" brushRef="#br0">1 9 24575,'8'-5'0,"0"1"0,1 4 0,-1 0 0,4 0 0,4 4 0,2 0 0,16 16 0,-14-6 0,44 26 0,-40-19 0,56 37 0,-47-32 0,11 12 0,3 3 0,7 6 0,3 2 0,-1-1 0,1 0 0,-2-1 0,1 0 0,-2 0 0,-15-12 0,-1-1 0,1 3 0,-1 1 0,-20-22 0,17 25 0,-16-28 0,16 24 0,-17-22 0,13 13 0,-16-15 0,15 10 0,-19-13 0,23 17 0,-22-13 0,18 17 0,-20-12 0,24 16 0,-21-16 0,28 19 0,-29-22 0,25 21 0,-25-21 0,26 19 0,-23-17 0,24 20 0,-20-21 0,23 24 0,-25-26 0,27 28 0,-31-27 0,21 22 0,-24-28 0,17 21 0,-16-20 0,11 15 0,-12-16 0,9 9 0,-5-9 0,13 12 0,-12-11 0,15 16 0,-19-17 0,19 13 0,-19-9 0,23 13 0,-22-12 0,18 11 0,-16-16 0,13 20 0,-9-18 0,21 33 0,-19-27 0,22 27 0,-26-25 0,17 14 0,-18-19 0,12 15 0,-13-19 0,5 19 0,-9-15 0,12 12 0,-14-13 0,14 13 0,-20-16 0,12 15 0,-8-16 0,9 6 0,-9-8 0,8 4 0,-12-3 0,13 7 0,-13-7 0,12 6 0,-8-9 0,9 12 0,-6-12 0,3 14 0,-3-15 0,-1 10 0,0-10 0,4 14 0,-3-8 0,10 8 0,-9-10 0,13 10 0,-16-9 0,22 17 0,-25-16 0,22 12 0,-24-14 0,9 3 0,-7-8 0,1 3 0,2-6 0,-6 7 0,7-7 0,-8 2 0,4-3 0</inkml:trace>
 </inkml:ink>
 </file>
 
@@ -16422,240 +16337,6 @@
 </file>
 
 <file path=ppt/slides/slide8.xml><?xml version="1.0" encoding="utf-8"?>
-<p:sld xmlns:a="http://schemas.openxmlformats.org/drawingml/2006/main" xmlns:r="http://schemas.openxmlformats.org/officeDocument/2006/relationships" xmlns:p="http://schemas.openxmlformats.org/presentationml/2006/main">
-  <p:cSld>
-    <p:spTree>
-      <p:nvGrpSpPr>
-        <p:cNvPr id="1" name=""/>
-        <p:cNvGrpSpPr/>
-        <p:nvPr/>
-      </p:nvGrpSpPr>
-      <p:grpSpPr>
-        <a:xfrm>
-          <a:off x="0" y="0"/>
-          <a:ext cx="0" cy="0"/>
-          <a:chOff x="0" y="0"/>
-          <a:chExt cx="0" cy="0"/>
-        </a:xfrm>
-      </p:grpSpPr>
-      <p:pic>
-        <p:nvPicPr>
-          <p:cNvPr id="12" name="Picture 11">
-            <a:extLst>
-              <a:ext uri="{FF2B5EF4-FFF2-40B4-BE49-F238E27FC236}">
-                <a16:creationId xmlns:a16="http://schemas.microsoft.com/office/drawing/2014/main" id="{2F4B8C30-5DB0-EA4F-9C19-BA97CF767622}"/>
-              </a:ext>
-            </a:extLst>
-          </p:cNvPr>
-          <p:cNvPicPr>
-            <a:picLocks noChangeAspect="1"/>
-          </p:cNvPicPr>
-          <p:nvPr/>
-        </p:nvPicPr>
-        <p:blipFill>
-          <a:blip r:embed="rId2"/>
-          <a:stretch>
-            <a:fillRect/>
-          </a:stretch>
-        </p:blipFill>
-        <p:spPr>
-          <a:xfrm>
-            <a:off x="5054600" y="260350"/>
-            <a:ext cx="2082800" cy="6337300"/>
-          </a:xfrm>
-          <a:prstGeom prst="rect">
-            <a:avLst/>
-          </a:prstGeom>
-        </p:spPr>
-      </p:pic>
-      <mc:AlternateContent xmlns:mc="http://schemas.openxmlformats.org/markup-compatibility/2006">
-        <mc:Choice xmlns:p14="http://schemas.microsoft.com/office/powerpoint/2010/main" Requires="p14">
-          <p:contentPart p14:bwMode="auto" r:id="rId3">
-            <p14:nvContentPartPr>
-              <p14:cNvPr id="13" name="Ink 12">
-                <a:extLst>
-                  <a:ext uri="{FF2B5EF4-FFF2-40B4-BE49-F238E27FC236}">
-                    <a16:creationId xmlns:a16="http://schemas.microsoft.com/office/drawing/2014/main" id="{7ADFFB4C-2691-6547-9363-96C4C8784062}"/>
-                  </a:ext>
-                </a:extLst>
-              </p14:cNvPr>
-              <p14:cNvContentPartPr/>
-              <p14:nvPr/>
-            </p14:nvContentPartPr>
-            <p14:xfrm>
-              <a:off x="5455494" y="4286152"/>
-              <a:ext cx="1528920" cy="2108160"/>
-            </p14:xfrm>
-          </p:contentPart>
-        </mc:Choice>
-        <mc:Fallback>
-          <p:pic>
-            <p:nvPicPr>
-              <p:cNvPr id="13" name="Ink 12">
-                <a:extLst>
-                  <a:ext uri="{FF2B5EF4-FFF2-40B4-BE49-F238E27FC236}">
-                    <a16:creationId xmlns:a16="http://schemas.microsoft.com/office/drawing/2014/main" id="{7ADFFB4C-2691-6547-9363-96C4C8784062}"/>
-                  </a:ext>
-                </a:extLst>
-              </p:cNvPr>
-              <p:cNvPicPr/>
-              <p:nvPr/>
-            </p:nvPicPr>
-            <p:blipFill>
-              <a:blip r:embed="rId4"/>
-              <a:stretch>
-                <a:fillRect/>
-              </a:stretch>
-            </p:blipFill>
-            <p:spPr>
-              <a:xfrm>
-                <a:off x="5437854" y="4268152"/>
-                <a:ext cx="1564560" cy="2143800"/>
-              </a:xfrm>
-              <a:prstGeom prst="rect">
-                <a:avLst/>
-              </a:prstGeom>
-            </p:spPr>
-          </p:pic>
-        </mc:Fallback>
-      </mc:AlternateContent>
-      <p:grpSp>
-        <p:nvGrpSpPr>
-          <p:cNvPr id="20" name="Group 19">
-            <a:extLst>
-              <a:ext uri="{FF2B5EF4-FFF2-40B4-BE49-F238E27FC236}">
-                <a16:creationId xmlns:a16="http://schemas.microsoft.com/office/drawing/2014/main" id="{CAB733F8-2FCF-434E-B4B7-A5BF639B53F6}"/>
-              </a:ext>
-            </a:extLst>
-          </p:cNvPr>
-          <p:cNvGrpSpPr/>
-          <p:nvPr/>
-        </p:nvGrpSpPr>
-        <p:grpSpPr>
-          <a:xfrm>
-            <a:off x="5275134" y="545032"/>
-            <a:ext cx="1047600" cy="3753000"/>
-            <a:chOff x="5275134" y="545032"/>
-            <a:chExt cx="1047600" cy="3753000"/>
-          </a:xfrm>
-        </p:grpSpPr>
-        <mc:AlternateContent xmlns:mc="http://schemas.openxmlformats.org/markup-compatibility/2006">
-          <mc:Choice xmlns:p14="http://schemas.microsoft.com/office/powerpoint/2010/main" Requires="p14">
-            <p:contentPart p14:bwMode="auto" r:id="rId5">
-              <p14:nvContentPartPr>
-                <p14:cNvPr id="18" name="Ink 17">
-                  <a:extLst>
-                    <a:ext uri="{FF2B5EF4-FFF2-40B4-BE49-F238E27FC236}">
-                      <a16:creationId xmlns:a16="http://schemas.microsoft.com/office/drawing/2014/main" id="{61EAF6D5-B995-9D40-8FD3-194FB7F9B637}"/>
-                    </a:ext>
-                  </a:extLst>
-                </p14:cNvPr>
-                <p14:cNvContentPartPr/>
-                <p14:nvPr/>
-              </p14:nvContentPartPr>
-              <p14:xfrm>
-                <a:off x="5369814" y="1431352"/>
-                <a:ext cx="952920" cy="2866680"/>
-              </p14:xfrm>
-            </p:contentPart>
-          </mc:Choice>
-          <mc:Fallback>
-            <p:pic>
-              <p:nvPicPr>
-                <p:cNvPr id="18" name="Ink 17">
-                  <a:extLst>
-                    <a:ext uri="{FF2B5EF4-FFF2-40B4-BE49-F238E27FC236}">
-                      <a16:creationId xmlns:a16="http://schemas.microsoft.com/office/drawing/2014/main" id="{61EAF6D5-B995-9D40-8FD3-194FB7F9B637}"/>
-                    </a:ext>
-                  </a:extLst>
-                </p:cNvPr>
-                <p:cNvPicPr/>
-                <p:nvPr/>
-              </p:nvPicPr>
-              <p:blipFill>
-                <a:blip r:embed="rId6"/>
-                <a:stretch>
-                  <a:fillRect/>
-                </a:stretch>
-              </p:blipFill>
-              <p:spPr>
-                <a:xfrm>
-                  <a:off x="5352174" y="1413352"/>
-                  <a:ext cx="988560" cy="2902320"/>
-                </a:xfrm>
-                <a:prstGeom prst="rect">
-                  <a:avLst/>
-                </a:prstGeom>
-              </p:spPr>
-            </p:pic>
-          </mc:Fallback>
-        </mc:AlternateContent>
-        <mc:AlternateContent xmlns:mc="http://schemas.openxmlformats.org/markup-compatibility/2006">
-          <mc:Choice xmlns:p14="http://schemas.microsoft.com/office/powerpoint/2010/main" Requires="p14">
-            <p:contentPart p14:bwMode="auto" r:id="rId7">
-              <p14:nvContentPartPr>
-                <p14:cNvPr id="19" name="Ink 18">
-                  <a:extLst>
-                    <a:ext uri="{FF2B5EF4-FFF2-40B4-BE49-F238E27FC236}">
-                      <a16:creationId xmlns:a16="http://schemas.microsoft.com/office/drawing/2014/main" id="{024161C1-9884-5043-B41B-CD7CBEF85EFD}"/>
-                    </a:ext>
-                  </a:extLst>
-                </p14:cNvPr>
-                <p14:cNvContentPartPr/>
-                <p14:nvPr/>
-              </p14:nvContentPartPr>
-              <p14:xfrm>
-                <a:off x="5275134" y="545032"/>
-                <a:ext cx="962640" cy="910080"/>
-              </p14:xfrm>
-            </p:contentPart>
-          </mc:Choice>
-          <mc:Fallback>
-            <p:pic>
-              <p:nvPicPr>
-                <p:cNvPr id="19" name="Ink 18">
-                  <a:extLst>
-                    <a:ext uri="{FF2B5EF4-FFF2-40B4-BE49-F238E27FC236}">
-                      <a16:creationId xmlns:a16="http://schemas.microsoft.com/office/drawing/2014/main" id="{024161C1-9884-5043-B41B-CD7CBEF85EFD}"/>
-                    </a:ext>
-                  </a:extLst>
-                </p:cNvPr>
-                <p:cNvPicPr/>
-                <p:nvPr/>
-              </p:nvPicPr>
-              <p:blipFill>
-                <a:blip r:embed="rId8"/>
-                <a:stretch>
-                  <a:fillRect/>
-                </a:stretch>
-              </p:blipFill>
-              <p:spPr>
-                <a:xfrm>
-                  <a:off x="5257494" y="527032"/>
-                  <a:ext cx="998280" cy="945720"/>
-                </a:xfrm>
-                <a:prstGeom prst="rect">
-                  <a:avLst/>
-                </a:prstGeom>
-              </p:spPr>
-            </p:pic>
-          </mc:Fallback>
-        </mc:AlternateContent>
-      </p:grpSp>
-    </p:spTree>
-    <p:extLst>
-      <p:ext uri="{BB962C8B-B14F-4D97-AF65-F5344CB8AC3E}">
-        <p14:creationId xmlns:p14="http://schemas.microsoft.com/office/powerpoint/2010/main" val="1860795944"/>
-      </p:ext>
-    </p:extLst>
-  </p:cSld>
-  <p:clrMapOvr>
-    <a:masterClrMapping/>
-  </p:clrMapOvr>
-</p:sld>
-</file>
-
-<file path=ppt/slides/slide9.xml><?xml version="1.0" encoding="utf-8"?>
 <p:sld xmlns:a="http://schemas.openxmlformats.org/drawingml/2006/main" xmlns:r="http://schemas.openxmlformats.org/officeDocument/2006/relationships" xmlns:p="http://schemas.openxmlformats.org/presentationml/2006/main">
   <p:cSld>
     <p:spTree>
